--- a/slides/Online/2020/13- Arrays.pptx
+++ b/slides/Online/2020/13- Arrays.pptx
@@ -220,7 +220,7 @@
           <a:p>
             <a:fld id="{4D7E51A5-B478-1E40-8CBB-0DAA8831E99D}" type="datetimeFigureOut">
               <a:rPr lang="en-US" smtClean="0"/>
-              <a:t>3/17/20</a:t>
+              <a:t>4/11/20</a:t>
             </a:fld>
             <a:endParaRPr lang="en-US"/>
           </a:p>
@@ -385,7 +385,7 @@
           <a:p>
             <a:fld id="{D0ED587F-861E-6740-9643-E3DDAE89B8D6}" type="datetimeFigureOut">
               <a:rPr lang="en-US" smtClean="0"/>
-              <a:t>3/17/20</a:t>
+              <a:t>4/11/20</a:t>
             </a:fld>
             <a:endParaRPr lang="en-US"/>
           </a:p>
@@ -4278,8 +4278,8 @@
         </p:blipFill>
         <p:spPr>
           <a:xfrm>
-            <a:off x="9827882" y="6733969"/>
-            <a:ext cx="3520440" cy="787424"/>
+            <a:off x="10549054" y="6800972"/>
+            <a:ext cx="3161924" cy="707234"/>
           </a:xfrm>
           <a:prstGeom prst="rect">
             <a:avLst/>
@@ -4300,7 +4300,7 @@
         </p:nvSpPr>
         <p:spPr>
           <a:xfrm>
-            <a:off x="10549054" y="7264322"/>
+            <a:off x="11137949" y="7231207"/>
             <a:ext cx="2497873" cy="276999"/>
           </a:xfrm>
           <a:prstGeom prst="rect">
@@ -4339,8 +4339,8 @@
         </p:nvSpPr>
         <p:spPr>
           <a:xfrm>
-            <a:off x="9287446" y="7508206"/>
-            <a:ext cx="4601311" cy="246221"/>
+            <a:off x="10549054" y="7508206"/>
+            <a:ext cx="3339703" cy="215444"/>
           </a:xfrm>
           <a:prstGeom prst="rect">
             <a:avLst/>
@@ -4361,7 +4361,7 @@
               </a:spcAft>
             </a:pPr>
             <a:r>
-              <a:rPr lang="en-US" sz="1000" b="0" i="0" u="none" strike="noStrike" dirty="0">
+              <a:rPr lang="en-US" sz="800" b="0" i="0" u="none" strike="noStrike" dirty="0">
                 <a:solidFill>
                   <a:srgbClr val="7F7F7F"/>
                 </a:solidFill>
@@ -4371,7 +4371,7 @@
               <a:t>Slides Originally Created by Albert Lionelle (</a:t>
             </a:r>
             <a:r>
-              <a:rPr lang="en-US" sz="1000" b="0" i="0" u="none" strike="noStrike" dirty="0" err="1">
+              <a:rPr lang="en-US" sz="800" b="0" i="0" u="none" strike="noStrike" dirty="0" err="1">
                 <a:solidFill>
                   <a:srgbClr val="7F7F7F"/>
                 </a:solidFill>
@@ -4381,7 +4381,7 @@
               <a:t>Albert.Lionelle@colostate.edu</a:t>
             </a:r>
             <a:r>
-              <a:rPr lang="en-US" sz="1000" b="0" i="0" u="none" strike="noStrike" dirty="0">
+              <a:rPr lang="en-US" sz="800" b="0" i="0" u="none" strike="noStrike" dirty="0">
                 <a:solidFill>
                   <a:srgbClr val="7F7F7F"/>
                 </a:solidFill>
@@ -4390,7 +4390,7 @@
               </a:rPr>
               <a:t>)</a:t>
             </a:r>
-            <a:endParaRPr lang="en-US" sz="1000" b="0" dirty="0">
+            <a:endParaRPr lang="en-US" sz="800" b="0" dirty="0">
               <a:solidFill>
                 <a:srgbClr val="7F7F7F"/>
               </a:solidFill>
@@ -8472,7 +8472,21 @@
                 <a:latin typeface="Consolas" panose="020B0609020204030204" pitchFamily="49" charset="0"/>
                 <a:cs typeface="Consolas" panose="020B0609020204030204" pitchFamily="49" charset="0"/>
               </a:rPr>
-              <a:t>(palindrome); // prints [</a:t>
+              <a:t>(</a:t>
+            </a:r>
+            <a:r>
+              <a:rPr lang="en-US" dirty="0" err="1">
+                <a:latin typeface="Consolas" panose="020B0609020204030204" pitchFamily="49" charset="0"/>
+                <a:cs typeface="Consolas" panose="020B0609020204030204" pitchFamily="49" charset="0"/>
+              </a:rPr>
+              <a:t>Arrays.toString</a:t>
+            </a:r>
+            <a:r>
+              <a:rPr lang="en-US" dirty="0">
+                <a:latin typeface="Consolas" panose="020B0609020204030204" pitchFamily="49" charset="0"/>
+                <a:cs typeface="Consolas" panose="020B0609020204030204" pitchFamily="49" charset="0"/>
+              </a:rPr>
+              <a:t>(palindrome)); // prints [</a:t>
             </a:r>
             <a:r>
               <a:rPr lang="en-US" dirty="0" err="1">
@@ -8683,7 +8697,7 @@
         <p:spPr>
           <a:xfrm>
             <a:off x="6604000" y="1463722"/>
-            <a:ext cx="6718300" cy="4401205"/>
+            <a:ext cx="6718300" cy="3416320"/>
           </a:xfrm>
           <a:prstGeom prst="rect">
             <a:avLst/>
@@ -8699,21 +8713,21 @@
           <a:lstStyle/>
           <a:p>
             <a:r>
-              <a:rPr lang="en-US" dirty="0">
+              <a:rPr lang="en-US" sz="1800" dirty="0">
                 <a:latin typeface="Consolas" panose="020B0609020204030204" pitchFamily="49" charset="0"/>
                 <a:cs typeface="Consolas" panose="020B0609020204030204" pitchFamily="49" charset="0"/>
               </a:rPr>
               <a:t>String[] </a:t>
             </a:r>
             <a:r>
-              <a:rPr lang="en-US" dirty="0" err="1">
+              <a:rPr lang="en-US" sz="1800" dirty="0" err="1">
                 <a:latin typeface="Consolas" panose="020B0609020204030204" pitchFamily="49" charset="0"/>
                 <a:cs typeface="Consolas" panose="020B0609020204030204" pitchFamily="49" charset="0"/>
               </a:rPr>
               <a:t>rhps</a:t>
             </a:r>
             <a:r>
-              <a:rPr lang="en-US" dirty="0">
+              <a:rPr lang="en-US" sz="1800" dirty="0">
                 <a:latin typeface="Consolas" panose="020B0609020204030204" pitchFamily="49" charset="0"/>
                 <a:cs typeface="Consolas" panose="020B0609020204030204" pitchFamily="49" charset="0"/>
               </a:rPr>
@@ -8721,21 +8735,21 @@
             </a:r>
           </a:p>
           <a:p>
-            <a:endParaRPr lang="en-US" dirty="0">
+            <a:endParaRPr lang="en-US" sz="1800" dirty="0">
               <a:latin typeface="Consolas" panose="020B0609020204030204" pitchFamily="49" charset="0"/>
               <a:cs typeface="Consolas" panose="020B0609020204030204" pitchFamily="49" charset="0"/>
             </a:endParaRPr>
           </a:p>
           <a:p>
             <a:r>
-              <a:rPr lang="en-US" dirty="0" err="1">
+              <a:rPr lang="en-US" sz="1800" dirty="0" err="1">
                 <a:latin typeface="Consolas" panose="020B0609020204030204" pitchFamily="49" charset="0"/>
                 <a:cs typeface="Consolas" panose="020B0609020204030204" pitchFamily="49" charset="0"/>
               </a:rPr>
               <a:t>rhps</a:t>
             </a:r>
             <a:r>
-              <a:rPr lang="en-US" dirty="0">
+              <a:rPr lang="en-US" sz="1800" dirty="0">
                 <a:latin typeface="Consolas" panose="020B0609020204030204" pitchFamily="49" charset="0"/>
                 <a:cs typeface="Consolas" panose="020B0609020204030204" pitchFamily="49" charset="0"/>
               </a:rPr>
@@ -8744,28 +8758,28 @@
           </a:p>
           <a:p>
             <a:r>
-              <a:rPr lang="en-US" dirty="0" err="1">
+              <a:rPr lang="en-US" sz="1800" dirty="0" err="1">
                 <a:latin typeface="Consolas" panose="020B0609020204030204" pitchFamily="49" charset="0"/>
                 <a:cs typeface="Consolas" panose="020B0609020204030204" pitchFamily="49" charset="0"/>
               </a:rPr>
               <a:t>rhps</a:t>
             </a:r>
             <a:r>
-              <a:rPr lang="en-US" dirty="0">
+              <a:rPr lang="en-US" sz="1800" dirty="0">
                 <a:latin typeface="Consolas" panose="020B0609020204030204" pitchFamily="49" charset="0"/>
                 <a:cs typeface="Consolas" panose="020B0609020204030204" pitchFamily="49" charset="0"/>
               </a:rPr>
               <a:t>[1] = “</a:t>
             </a:r>
             <a:r>
-              <a:rPr lang="en-US" dirty="0" err="1">
+              <a:rPr lang="en-US" sz="1800" dirty="0" err="1">
                 <a:latin typeface="Consolas" panose="020B0609020204030204" pitchFamily="49" charset="0"/>
                 <a:cs typeface="Consolas" panose="020B0609020204030204" pitchFamily="49" charset="0"/>
               </a:rPr>
               <a:t>janet</a:t>
             </a:r>
             <a:r>
-              <a:rPr lang="en-US" dirty="0">
+              <a:rPr lang="en-US" sz="1800" dirty="0">
                 <a:latin typeface="Consolas" panose="020B0609020204030204" pitchFamily="49" charset="0"/>
                 <a:cs typeface="Consolas" panose="020B0609020204030204" pitchFamily="49" charset="0"/>
               </a:rPr>
@@ -8774,14 +8788,14 @@
           </a:p>
           <a:p>
             <a:r>
-              <a:rPr lang="en-US" dirty="0" err="1">
+              <a:rPr lang="en-US" sz="1800" dirty="0" err="1">
                 <a:latin typeface="Consolas" panose="020B0609020204030204" pitchFamily="49" charset="0"/>
                 <a:cs typeface="Consolas" panose="020B0609020204030204" pitchFamily="49" charset="0"/>
               </a:rPr>
               <a:t>rhps</a:t>
             </a:r>
             <a:r>
-              <a:rPr lang="en-US" dirty="0">
+              <a:rPr lang="en-US" sz="1800" dirty="0">
                 <a:latin typeface="Consolas" panose="020B0609020204030204" pitchFamily="49" charset="0"/>
                 <a:cs typeface="Consolas" panose="020B0609020204030204" pitchFamily="49" charset="0"/>
               </a:rPr>
@@ -8790,28 +8804,28 @@
           </a:p>
           <a:p>
             <a:r>
-              <a:rPr lang="en-US" dirty="0" err="1">
+              <a:rPr lang="en-US" sz="1800" dirty="0" err="1">
                 <a:latin typeface="Consolas" panose="020B0609020204030204" pitchFamily="49" charset="0"/>
                 <a:cs typeface="Consolas" panose="020B0609020204030204" pitchFamily="49" charset="0"/>
               </a:rPr>
               <a:t>rhps</a:t>
             </a:r>
             <a:r>
-              <a:rPr lang="en-US" dirty="0">
+              <a:rPr lang="en-US" sz="1800" dirty="0">
                 <a:latin typeface="Consolas" panose="020B0609020204030204" pitchFamily="49" charset="0"/>
                 <a:cs typeface="Consolas" panose="020B0609020204030204" pitchFamily="49" charset="0"/>
               </a:rPr>
               <a:t>[3] = “</a:t>
             </a:r>
             <a:r>
-              <a:rPr lang="en-US" dirty="0" err="1">
+              <a:rPr lang="en-US" sz="1800" dirty="0" err="1">
                 <a:latin typeface="Consolas" panose="020B0609020204030204" pitchFamily="49" charset="0"/>
                 <a:cs typeface="Consolas" panose="020B0609020204030204" pitchFamily="49" charset="0"/>
               </a:rPr>
               <a:t>columbia</a:t>
             </a:r>
             <a:r>
-              <a:rPr lang="en-US" dirty="0">
+              <a:rPr lang="en-US" sz="1800" dirty="0">
                 <a:latin typeface="Consolas" panose="020B0609020204030204" pitchFamily="49" charset="0"/>
                 <a:cs typeface="Consolas" panose="020B0609020204030204" pitchFamily="49" charset="0"/>
               </a:rPr>
@@ -8820,14 +8834,14 @@
           </a:p>
           <a:p>
             <a:r>
-              <a:rPr lang="en-US" dirty="0" err="1">
+              <a:rPr lang="en-US" sz="1800" dirty="0" err="1">
                 <a:latin typeface="Consolas" panose="020B0609020204030204" pitchFamily="49" charset="0"/>
                 <a:cs typeface="Consolas" panose="020B0609020204030204" pitchFamily="49" charset="0"/>
               </a:rPr>
               <a:t>rhps</a:t>
             </a:r>
             <a:r>
-              <a:rPr lang="en-US" dirty="0">
+              <a:rPr lang="en-US" sz="1800" dirty="0">
                 <a:latin typeface="Consolas" panose="020B0609020204030204" pitchFamily="49" charset="0"/>
                 <a:cs typeface="Consolas" panose="020B0609020204030204" pitchFamily="49" charset="0"/>
               </a:rPr>
@@ -8836,28 +8850,28 @@
           </a:p>
           <a:p>
             <a:r>
-              <a:rPr lang="en-US" dirty="0" err="1">
+              <a:rPr lang="en-US" sz="1800" dirty="0" err="1">
                 <a:latin typeface="Consolas" panose="020B0609020204030204" pitchFamily="49" charset="0"/>
                 <a:cs typeface="Consolas" panose="020B0609020204030204" pitchFamily="49" charset="0"/>
               </a:rPr>
               <a:t>rhps</a:t>
             </a:r>
             <a:r>
-              <a:rPr lang="en-US" dirty="0">
+              <a:rPr lang="en-US" sz="1800" dirty="0">
                 <a:latin typeface="Consolas" panose="020B0609020204030204" pitchFamily="49" charset="0"/>
                 <a:cs typeface="Consolas" panose="020B0609020204030204" pitchFamily="49" charset="0"/>
               </a:rPr>
               <a:t>[5] = “</a:t>
             </a:r>
             <a:r>
-              <a:rPr lang="en-US" dirty="0" err="1">
+              <a:rPr lang="en-US" sz="1800" dirty="0" err="1">
                 <a:latin typeface="Consolas" panose="020B0609020204030204" pitchFamily="49" charset="0"/>
                 <a:cs typeface="Consolas" panose="020B0609020204030204" pitchFamily="49" charset="0"/>
               </a:rPr>
               <a:t>eddie</a:t>
             </a:r>
             <a:r>
-              <a:rPr lang="en-US" dirty="0">
+              <a:rPr lang="en-US" sz="1800" dirty="0">
                 <a:latin typeface="Consolas" panose="020B0609020204030204" pitchFamily="49" charset="0"/>
                 <a:cs typeface="Consolas" panose="020B0609020204030204" pitchFamily="49" charset="0"/>
               </a:rPr>
@@ -8866,28 +8880,28 @@
           </a:p>
           <a:p>
             <a:r>
-              <a:rPr lang="en-US" dirty="0" err="1">
+              <a:rPr lang="en-US" sz="1800" dirty="0" err="1">
                 <a:latin typeface="Consolas" panose="020B0609020204030204" pitchFamily="49" charset="0"/>
                 <a:cs typeface="Consolas" panose="020B0609020204030204" pitchFamily="49" charset="0"/>
               </a:rPr>
               <a:t>rhps</a:t>
             </a:r>
             <a:r>
-              <a:rPr lang="en-US" dirty="0">
+              <a:rPr lang="en-US" sz="1800" dirty="0">
                 <a:latin typeface="Consolas" panose="020B0609020204030204" pitchFamily="49" charset="0"/>
                 <a:cs typeface="Consolas" panose="020B0609020204030204" pitchFamily="49" charset="0"/>
               </a:rPr>
               <a:t>[6] = “</a:t>
             </a:r>
             <a:r>
-              <a:rPr lang="en-US" dirty="0" err="1">
+              <a:rPr lang="en-US" sz="1800" dirty="0" err="1">
                 <a:latin typeface="Consolas" panose="020B0609020204030204" pitchFamily="49" charset="0"/>
                 <a:cs typeface="Consolas" panose="020B0609020204030204" pitchFamily="49" charset="0"/>
               </a:rPr>
               <a:t>scott</a:t>
             </a:r>
             <a:r>
-              <a:rPr lang="en-US" dirty="0">
+              <a:rPr lang="en-US" sz="1800" dirty="0">
                 <a:latin typeface="Consolas" panose="020B0609020204030204" pitchFamily="49" charset="0"/>
                 <a:cs typeface="Consolas" panose="020B0609020204030204" pitchFamily="49" charset="0"/>
               </a:rPr>
@@ -8896,28 +8910,28 @@
           </a:p>
           <a:p>
             <a:r>
-              <a:rPr lang="en-US" dirty="0" err="1">
+              <a:rPr lang="en-US" sz="1800" dirty="0" err="1">
                 <a:latin typeface="Consolas" panose="020B0609020204030204" pitchFamily="49" charset="0"/>
                 <a:cs typeface="Consolas" panose="020B0609020204030204" pitchFamily="49" charset="0"/>
               </a:rPr>
               <a:t>rhps</a:t>
             </a:r>
             <a:r>
-              <a:rPr lang="en-US" dirty="0">
+              <a:rPr lang="en-US" sz="1800" dirty="0">
                 <a:latin typeface="Consolas" panose="020B0609020204030204" pitchFamily="49" charset="0"/>
                 <a:cs typeface="Consolas" panose="020B0609020204030204" pitchFamily="49" charset="0"/>
               </a:rPr>
               <a:t>[7] = “</a:t>
             </a:r>
             <a:r>
-              <a:rPr lang="en-US" dirty="0" err="1">
+              <a:rPr lang="en-US" sz="1800" dirty="0" err="1">
                 <a:latin typeface="Consolas" panose="020B0609020204030204" pitchFamily="49" charset="0"/>
                 <a:cs typeface="Consolas" panose="020B0609020204030204" pitchFamily="49" charset="0"/>
               </a:rPr>
               <a:t>frankie</a:t>
             </a:r>
             <a:r>
-              <a:rPr lang="en-US" dirty="0">
+              <a:rPr lang="en-US" sz="1800" dirty="0">
                 <a:latin typeface="Consolas" panose="020B0609020204030204" pitchFamily="49" charset="0"/>
                 <a:cs typeface="Consolas" panose="020B0609020204030204" pitchFamily="49" charset="0"/>
               </a:rPr>
@@ -8925,21 +8939,15 @@
             </a:r>
           </a:p>
           <a:p>
-            <a:endParaRPr lang="en-US" dirty="0">
-              <a:latin typeface="Consolas" panose="020B0609020204030204" pitchFamily="49" charset="0"/>
-              <a:cs typeface="Consolas" panose="020B0609020204030204" pitchFamily="49" charset="0"/>
-            </a:endParaRPr>
-          </a:p>
-          <a:p>
-            <a:r>
-              <a:rPr lang="en-US" dirty="0" err="1">
+            <a:r>
+              <a:rPr lang="en-US" sz="1800" dirty="0" err="1">
                 <a:latin typeface="Consolas" panose="020B0609020204030204" pitchFamily="49" charset="0"/>
                 <a:cs typeface="Consolas" panose="020B0609020204030204" pitchFamily="49" charset="0"/>
               </a:rPr>
               <a:t>rhps</a:t>
             </a:r>
             <a:r>
-              <a:rPr lang="en-US" dirty="0">
+              <a:rPr lang="en-US" sz="1800" dirty="0">
                 <a:latin typeface="Consolas" panose="020B0609020204030204" pitchFamily="49" charset="0"/>
                 <a:cs typeface="Consolas" panose="020B0609020204030204" pitchFamily="49" charset="0"/>
               </a:rPr>
@@ -8947,49 +8955,43 @@
             </a:r>
           </a:p>
           <a:p>
-            <a:endParaRPr lang="en-US" dirty="0">
-              <a:latin typeface="Consolas" panose="020B0609020204030204" pitchFamily="49" charset="0"/>
-              <a:cs typeface="Consolas" panose="020B0609020204030204" pitchFamily="49" charset="0"/>
-            </a:endParaRPr>
-          </a:p>
-          <a:p>
-            <a:r>
-              <a:rPr lang="en-US" dirty="0" err="1">
+            <a:r>
+              <a:rPr lang="en-US" sz="1800" dirty="0" err="1">
                 <a:latin typeface="Consolas" panose="020B0609020204030204" pitchFamily="49" charset="0"/>
                 <a:cs typeface="Consolas" panose="020B0609020204030204" pitchFamily="49" charset="0"/>
               </a:rPr>
               <a:t>System.out.println</a:t>
             </a:r>
             <a:r>
-              <a:rPr lang="en-US" dirty="0">
+              <a:rPr lang="en-US" sz="1800" dirty="0">
                 <a:latin typeface="Consolas" panose="020B0609020204030204" pitchFamily="49" charset="0"/>
                 <a:cs typeface="Consolas" panose="020B0609020204030204" pitchFamily="49" charset="0"/>
               </a:rPr>
               <a:t>(</a:t>
             </a:r>
             <a:r>
-              <a:rPr lang="en-US" dirty="0" err="1">
+              <a:rPr lang="en-US" sz="1800" dirty="0" err="1">
                 <a:latin typeface="Consolas" panose="020B0609020204030204" pitchFamily="49" charset="0"/>
                 <a:cs typeface="Consolas" panose="020B0609020204030204" pitchFamily="49" charset="0"/>
               </a:rPr>
               <a:t>Arrays.toString</a:t>
             </a:r>
             <a:r>
-              <a:rPr lang="en-US" dirty="0">
+              <a:rPr lang="en-US" sz="1800" dirty="0">
                 <a:latin typeface="Consolas" panose="020B0609020204030204" pitchFamily="49" charset="0"/>
                 <a:cs typeface="Consolas" panose="020B0609020204030204" pitchFamily="49" charset="0"/>
               </a:rPr>
               <a:t>(</a:t>
             </a:r>
             <a:r>
-              <a:rPr lang="en-US" dirty="0" err="1">
+              <a:rPr lang="en-US" sz="1800" dirty="0" err="1">
                 <a:latin typeface="Consolas" panose="020B0609020204030204" pitchFamily="49" charset="0"/>
                 <a:cs typeface="Consolas" panose="020B0609020204030204" pitchFamily="49" charset="0"/>
               </a:rPr>
               <a:t>rhps</a:t>
             </a:r>
             <a:r>
-              <a:rPr lang="en-US" dirty="0">
+              <a:rPr lang="en-US" sz="1800" dirty="0">
                 <a:latin typeface="Consolas" panose="020B0609020204030204" pitchFamily="49" charset="0"/>
                 <a:cs typeface="Consolas" panose="020B0609020204030204" pitchFamily="49" charset="0"/>
               </a:rPr>
@@ -9012,8 +9014,8 @@
         </p:nvSpPr>
         <p:spPr>
           <a:xfrm>
-            <a:off x="2165350" y="6244633"/>
-            <a:ext cx="8877300" cy="508000"/>
+            <a:off x="6765925" y="5091140"/>
+            <a:ext cx="6394450" cy="382537"/>
           </a:xfrm>
           <a:prstGeom prst="snip1Rect">
             <a:avLst/>
@@ -9046,7 +9048,7 @@
           <a:p>
             <a:pPr algn="ctr"/>
             <a:r>
-              <a:rPr lang="en-US" dirty="0">
+              <a:rPr lang="en-US" sz="1600" dirty="0">
                 <a:latin typeface="Proxima Nova" charset="0"/>
                 <a:ea typeface="Proxima Nova" charset="0"/>
                 <a:cs typeface="Proxima Nova" charset="0"/>
@@ -9054,7 +9056,7 @@
               <a:t>[brad, </a:t>
             </a:r>
             <a:r>
-              <a:rPr lang="en-US" dirty="0" err="1">
+              <a:rPr lang="en-US" sz="1600" dirty="0" err="1">
                 <a:latin typeface="Proxima Nova" charset="0"/>
                 <a:ea typeface="Proxima Nova" charset="0"/>
                 <a:cs typeface="Proxima Nova" charset="0"/>
@@ -9062,7 +9064,7 @@
               <a:t>janet</a:t>
             </a:r>
             <a:r>
-              <a:rPr lang="en-US" dirty="0">
+              <a:rPr lang="en-US" sz="1600" dirty="0">
                 <a:latin typeface="Proxima Nova" charset="0"/>
                 <a:ea typeface="Proxima Nova" charset="0"/>
                 <a:cs typeface="Proxima Nova" charset="0"/>
@@ -9070,7 +9072,7 @@
               <a:t>, magenta, </a:t>
             </a:r>
             <a:r>
-              <a:rPr lang="en-US" dirty="0" err="1">
+              <a:rPr lang="en-US" sz="1600" dirty="0" err="1">
                 <a:latin typeface="Proxima Nova" charset="0"/>
                 <a:ea typeface="Proxima Nova" charset="0"/>
                 <a:cs typeface="Proxima Nova" charset="0"/>
@@ -9078,7 +9080,7 @@
               <a:t>columbia</a:t>
             </a:r>
             <a:r>
-              <a:rPr lang="en-US" dirty="0">
+              <a:rPr lang="en-US" sz="1600" dirty="0">
                 <a:latin typeface="Proxima Nova" charset="0"/>
                 <a:ea typeface="Proxima Nova" charset="0"/>
                 <a:cs typeface="Proxima Nova" charset="0"/>
@@ -9086,7 +9088,7 @@
               <a:t>, riff-raff, rocky, </a:t>
             </a:r>
             <a:r>
-              <a:rPr lang="en-US" dirty="0" err="1">
+              <a:rPr lang="en-US" sz="1600" dirty="0" err="1">
                 <a:latin typeface="Proxima Nova" charset="0"/>
                 <a:ea typeface="Proxima Nova" charset="0"/>
                 <a:cs typeface="Proxima Nova" charset="0"/>
@@ -9094,7 +9096,7 @@
               <a:t>scott</a:t>
             </a:r>
             <a:r>
-              <a:rPr lang="en-US" dirty="0">
+              <a:rPr lang="en-US" sz="1600" dirty="0">
                 <a:latin typeface="Proxima Nova" charset="0"/>
                 <a:ea typeface="Proxima Nova" charset="0"/>
                 <a:cs typeface="Proxima Nova" charset="0"/>
@@ -9102,7 +9104,7 @@
               <a:t>, </a:t>
             </a:r>
             <a:r>
-              <a:rPr lang="en-US" dirty="0" err="1">
+              <a:rPr lang="en-US" sz="1600" dirty="0" err="1">
                 <a:latin typeface="Proxima Nova" charset="0"/>
                 <a:ea typeface="Proxima Nova" charset="0"/>
                 <a:cs typeface="Proxima Nova" charset="0"/>
@@ -9110,7 +9112,7 @@
               <a:t>frankie</a:t>
             </a:r>
             <a:r>
-              <a:rPr lang="en-US" dirty="0">
+              <a:rPr lang="en-US" sz="1600" dirty="0">
                 <a:latin typeface="Proxima Nova" charset="0"/>
                 <a:ea typeface="Proxima Nova" charset="0"/>
                 <a:cs typeface="Proxima Nova" charset="0"/>
@@ -9432,7 +9434,7 @@
         </p:nvSpPr>
         <p:spPr>
           <a:xfrm>
-            <a:off x="6727825" y="1776682"/>
+            <a:off x="6727825" y="1462404"/>
             <a:ext cx="6718300" cy="3785652"/>
           </a:xfrm>
           <a:prstGeom prst="rect">
@@ -9693,7 +9695,7 @@
                 <a:latin typeface="Consolas" panose="020B0609020204030204" pitchFamily="49" charset="0"/>
                 <a:cs typeface="Consolas" panose="020B0609020204030204" pitchFamily="49" charset="0"/>
               </a:rPr>
-              <a:t>[20] = “rocky”;</a:t>
+              <a:t>[20] = “rocky”; // error!</a:t>
             </a:r>
           </a:p>
         </p:txBody>
@@ -9786,8 +9788,8 @@
         </p:nvSpPr>
         <p:spPr>
           <a:xfrm>
-            <a:off x="628076" y="1776683"/>
-            <a:ext cx="5972750" cy="4857997"/>
+            <a:off x="628072" y="1463722"/>
+            <a:ext cx="5972750" cy="3897349"/>
           </a:xfrm>
           <a:solidFill>
             <a:schemeClr val="bg2"/>
@@ -10112,18 +10114,6 @@
               </a:rPr>
               <a:t>}</a:t>
             </a:r>
-          </a:p>
-          <a:p>
-            <a:pPr marL="0" indent="0">
-              <a:buNone/>
-            </a:pPr>
-            <a:endParaRPr lang="en-US" dirty="0"/>
-          </a:p>
-          <a:p>
-            <a:pPr marL="0" indent="0">
-              <a:buNone/>
-            </a:pPr>
-            <a:endParaRPr lang="en-US" dirty="0"/>
           </a:p>
         </p:txBody>
       </p:sp>
@@ -10141,8 +10131,8 @@
         </p:nvSpPr>
         <p:spPr>
           <a:xfrm>
-            <a:off x="8486775" y="2057401"/>
-            <a:ext cx="4586288" cy="4650632"/>
+            <a:off x="7757099" y="1463722"/>
+            <a:ext cx="5432425" cy="3727302"/>
           </a:xfrm>
           <a:prstGeom prst="rect">
             <a:avLst/>
@@ -10279,23 +10269,7 @@
                 <a:latin typeface="Microsoft Sans Serif" panose="020B0604020202020204" pitchFamily="34" charset="0"/>
                 <a:cs typeface="Microsoft Sans Serif" panose="020B0604020202020204" pitchFamily="34" charset="0"/>
               </a:rPr>
-              <a:t>Above all</a:t>
-            </a:r>
-          </a:p>
-          <a:p>
-            <a:pPr marL="795042" lvl="1" indent="-285750">
-              <a:lnSpc>
-                <a:spcPct val="150000"/>
-              </a:lnSpc>
-              <a:buFont typeface="Arial" panose="020B0604020202020204" pitchFamily="34" charset="0"/>
-              <a:buChar char="•"/>
-            </a:pPr>
-            <a:r>
-              <a:rPr lang="en-US" dirty="0">
-                <a:latin typeface="Microsoft Sans Serif" panose="020B0604020202020204" pitchFamily="34" charset="0"/>
-                <a:cs typeface="Microsoft Sans Serif" panose="020B0604020202020204" pitchFamily="34" charset="0"/>
-              </a:rPr>
-              <a:t>they take practice!!</a:t>
+              <a:t>Above all - they take practice!!</a:t>
             </a:r>
           </a:p>
         </p:txBody>

--- a/slides/Online/2020/13- Arrays.pptx
+++ b/slides/Online/2020/13- Arrays.pptx
@@ -8035,6 +8035,124 @@
       </p:transition>
     </mc:Fallback>
   </mc:AlternateContent>
+  <p:timing>
+    <p:tnLst>
+      <p:par>
+        <p:cTn id="1" dur="indefinite" restart="never" nodeType="tmRoot">
+          <p:childTnLst>
+            <p:seq concurrent="1" nextAc="seek">
+              <p:cTn id="2" dur="indefinite" nodeType="mainSeq">
+                <p:childTnLst>
+                  <p:par>
+                    <p:cTn id="3" fill="hold">
+                      <p:stCondLst>
+                        <p:cond delay="indefinite"/>
+                      </p:stCondLst>
+                      <p:childTnLst>
+                        <p:par>
+                          <p:cTn id="4" fill="hold">
+                            <p:stCondLst>
+                              <p:cond delay="0"/>
+                            </p:stCondLst>
+                            <p:childTnLst>
+                              <p:par>
+                                <p:cTn id="5" presetID="9" presetClass="entr" presetSubtype="0" fill="hold" nodeType="clickEffect">
+                                  <p:stCondLst>
+                                    <p:cond delay="0"/>
+                                  </p:stCondLst>
+                                  <p:childTnLst>
+                                    <p:set>
+                                      <p:cBhvr>
+                                        <p:cTn id="6" dur="1" fill="hold">
+                                          <p:stCondLst>
+                                            <p:cond delay="0"/>
+                                          </p:stCondLst>
+                                        </p:cTn>
+                                        <p:tgtEl>
+                                          <p:spTgt spid="20"/>
+                                        </p:tgtEl>
+                                        <p:attrNameLst>
+                                          <p:attrName>style.visibility</p:attrName>
+                                        </p:attrNameLst>
+                                      </p:cBhvr>
+                                      <p:to>
+                                        <p:strVal val="visible"/>
+                                      </p:to>
+                                    </p:set>
+                                    <p:animEffect transition="in" filter="dissolve">
+                                      <p:cBhvr>
+                                        <p:cTn id="7" dur="500"/>
+                                        <p:tgtEl>
+                                          <p:spTgt spid="20"/>
+                                        </p:tgtEl>
+                                      </p:cBhvr>
+                                    </p:animEffect>
+                                  </p:childTnLst>
+                                </p:cTn>
+                              </p:par>
+                              <p:par>
+                                <p:cTn id="8" presetID="9" presetClass="entr" presetSubtype="0" fill="hold" nodeType="withEffect">
+                                  <p:stCondLst>
+                                    <p:cond delay="0"/>
+                                  </p:stCondLst>
+                                  <p:childTnLst>
+                                    <p:set>
+                                      <p:cBhvr>
+                                        <p:cTn id="9" dur="1" fill="hold">
+                                          <p:stCondLst>
+                                            <p:cond delay="0"/>
+                                          </p:stCondLst>
+                                        </p:cTn>
+                                        <p:tgtEl>
+                                          <p:spTgt spid="6"/>
+                                        </p:tgtEl>
+                                        <p:attrNameLst>
+                                          <p:attrName>style.visibility</p:attrName>
+                                        </p:attrNameLst>
+                                      </p:cBhvr>
+                                      <p:to>
+                                        <p:strVal val="visible"/>
+                                      </p:to>
+                                    </p:set>
+                                    <p:animEffect transition="in" filter="dissolve">
+                                      <p:cBhvr>
+                                        <p:cTn id="10" dur="500"/>
+                                        <p:tgtEl>
+                                          <p:spTgt spid="6"/>
+                                        </p:tgtEl>
+                                      </p:cBhvr>
+                                    </p:animEffect>
+                                  </p:childTnLst>
+                                </p:cTn>
+                              </p:par>
+                            </p:childTnLst>
+                          </p:cTn>
+                        </p:par>
+                      </p:childTnLst>
+                    </p:cTn>
+                  </p:par>
+                </p:childTnLst>
+              </p:cTn>
+              <p:prevCondLst>
+                <p:cond evt="onPrev" delay="0">
+                  <p:tgtEl>
+                    <p:sldTgt/>
+                  </p:tgtEl>
+                </p:cond>
+              </p:prevCondLst>
+              <p:nextCondLst>
+                <p:cond evt="onNext" delay="0">
+                  <p:tgtEl>
+                    <p:sldTgt/>
+                  </p:tgtEl>
+                </p:cond>
+              </p:nextCondLst>
+            </p:seq>
+          </p:childTnLst>
+        </p:cTn>
+      </p:par>
+    </p:tnLst>
+  </p:timing>
 </p:sld>
 </file>
 
@@ -8172,7 +8290,7 @@
                 <a:latin typeface="Consolas" panose="020B0609020204030204" pitchFamily="49" charset="0"/>
                 <a:cs typeface="Consolas" panose="020B0609020204030204" pitchFamily="49" charset="0"/>
               </a:rPr>
-              <a:t>char palindrome =  new char[6];  // declare the size of the array (more common)</a:t>
+              <a:t>char[] palindrome =  new char[6];  // declare the size of the array (more common)</a:t>
             </a:r>
           </a:p>
           <a:p>
